--- a/Railway Reservation System.pptx
+++ b/Railway Reservation System.pptx
@@ -5,21 +5,24 @@
     <p:sldMasterId id="2147483648" r:id="rId1"/>
   </p:sldMasterIdLst>
   <p:sldIdLst>
-    <p:sldId id="256" r:id="rId3"/>
-    <p:sldId id="257" r:id="rId4"/>
-    <p:sldId id="258" r:id="rId5"/>
-    <p:sldId id="261" r:id="rId6"/>
-    <p:sldId id="259" r:id="rId7"/>
-    <p:sldId id="265" r:id="rId8"/>
-    <p:sldId id="260" r:id="rId9"/>
-    <p:sldId id="266" r:id="rId10"/>
-    <p:sldId id="267" r:id="rId11"/>
-    <p:sldId id="268" r:id="rId12"/>
-    <p:sldId id="264" r:id="rId13"/>
-    <p:sldId id="269" r:id="rId14"/>
+    <p:sldId id="256" r:id="rId2"/>
+    <p:sldId id="257" r:id="rId3"/>
+    <p:sldId id="258" r:id="rId4"/>
+    <p:sldId id="261" r:id="rId5"/>
+    <p:sldId id="259" r:id="rId6"/>
+    <p:sldId id="265" r:id="rId7"/>
+    <p:sldId id="270" r:id="rId8"/>
+    <p:sldId id="271" r:id="rId9"/>
+    <p:sldId id="272" r:id="rId10"/>
+    <p:sldId id="260" r:id="rId11"/>
+    <p:sldId id="266" r:id="rId12"/>
+    <p:sldId id="267" r:id="rId13"/>
+    <p:sldId id="268" r:id="rId14"/>
+    <p:sldId id="264" r:id="rId15"/>
+    <p:sldId id="269" r:id="rId16"/>
   </p:sldIdLst>
   <p:sldSz cx="12192000" cy="6858000"/>
-  <p:notesSz cx="7103745" cy="10234295"/>
+  <p:notesSz cx="7104063" cy="10234613"/>
   <p:defaultTextStyle>
     <a:defPPr>
       <a:defRPr lang="en-US"/>
@@ -119,7 +122,7 @@
 </file>
 
 <file path=ppt/slideLayouts/slideLayout1.xml><?xml version="1.0" encoding="utf-8"?>
-<p:sldLayout xmlns:a="http://schemas.openxmlformats.org/drawingml/2006/main" xmlns:r="http://schemas.openxmlformats.org/officeDocument/2006/relationships" xmlns:p="http://schemas.openxmlformats.org/presentationml/2006/main" type="title" preserve="1" showMasterSp="0">
+<p:sldLayout xmlns:a="http://schemas.openxmlformats.org/drawingml/2006/main" xmlns:r="http://schemas.openxmlformats.org/officeDocument/2006/relationships" xmlns:p="http://schemas.openxmlformats.org/presentationml/2006/main" showMasterSp="0" type="title" preserve="1">
   <p:cSld name="Title Slide">
     <p:bg>
       <p:bgPr>
@@ -200,7 +203,6 @@
               <a:rPr lang="en-US" altLang="zh-CN" noProof="0" smtClean="0"/>
               <a:t>Click to edit Master title style</a:t>
             </a:r>
-            <a:endParaRPr lang="en-US" altLang="zh-CN" noProof="0" smtClean="0"/>
           </a:p>
         </p:txBody>
       </p:sp>
@@ -239,7 +241,6 @@
               <a:rPr lang="en-US" altLang="zh-CN" noProof="0" smtClean="0"/>
               <a:t>Click to edit Master subtitle style</a:t>
             </a:r>
-            <a:endParaRPr lang="en-US" altLang="zh-CN" noProof="0" smtClean="0"/>
           </a:p>
         </p:txBody>
       </p:sp>
@@ -264,14 +265,14 @@
           <a:noFill/>
           <a:extLst>
             <a:ext uri="{909E8E84-426E-40DD-AFC4-6F175D3DCCD1}">
-              <a14:hiddenFill xmlns:a14="http://schemas.microsoft.com/office/drawing/2010/main">
+              <a14:hiddenFill xmlns="" xmlns:a14="http://schemas.microsoft.com/office/drawing/2010/main">
                 <a:solidFill>
                   <a:schemeClr val="accent1"/>
                 </a:solidFill>
               </a14:hiddenFill>
             </a:ext>
             <a:ext uri="{91240B29-F687-4F45-9708-019B960494DF}">
-              <a14:hiddenLine xmlns:a14="http://schemas.microsoft.com/office/drawing/2010/main" w="9525">
+              <a14:hiddenLine xmlns="" xmlns:a14="http://schemas.microsoft.com/office/drawing/2010/main" w="9525">
                 <a:solidFill>
                   <a:srgbClr val="000000"/>
                 </a:solidFill>
@@ -281,7 +282,7 @@
               </a14:hiddenLine>
             </a:ext>
             <a:ext uri="{AF507438-7753-43E0-B8FC-AC1667EBCBE1}">
-              <a14:hiddenEffects xmlns:a14="http://schemas.microsoft.com/office/drawing/2010/main">
+              <a14:hiddenEffects xmlns="" xmlns:a14="http://schemas.microsoft.com/office/drawing/2010/main">
                 <a:effectLst>
                   <a:outerShdw dist="35921" dir="2700000" algn="ctr" rotWithShape="0">
                     <a:schemeClr val="bg2"/>
@@ -301,6 +302,8 @@
           <a:p>
             <a:fld id="{FDE934FF-F4E1-47C5-9CA5-30A81DDE2BE4}" type="datetimeFigureOut">
               <a:rPr lang="en-US" smtClean="0"/>
+              <a:pPr/>
+              <a:t>12/22/2020</a:t>
             </a:fld>
             <a:endParaRPr lang="en-US"/>
           </a:p>
@@ -327,14 +330,14 @@
           <a:noFill/>
           <a:extLst>
             <a:ext uri="{909E8E84-426E-40DD-AFC4-6F175D3DCCD1}">
-              <a14:hiddenFill xmlns:a14="http://schemas.microsoft.com/office/drawing/2010/main">
+              <a14:hiddenFill xmlns="" xmlns:a14="http://schemas.microsoft.com/office/drawing/2010/main">
                 <a:solidFill>
                   <a:schemeClr val="accent1"/>
                 </a:solidFill>
               </a14:hiddenFill>
             </a:ext>
             <a:ext uri="{91240B29-F687-4F45-9708-019B960494DF}">
-              <a14:hiddenLine xmlns:a14="http://schemas.microsoft.com/office/drawing/2010/main" w="9525">
+              <a14:hiddenLine xmlns="" xmlns:a14="http://schemas.microsoft.com/office/drawing/2010/main" w="9525">
                 <a:solidFill>
                   <a:srgbClr val="000000"/>
                 </a:solidFill>
@@ -344,7 +347,7 @@
               </a14:hiddenLine>
             </a:ext>
             <a:ext uri="{AF507438-7753-43E0-B8FC-AC1667EBCBE1}">
-              <a14:hiddenEffects xmlns:a14="http://schemas.microsoft.com/office/drawing/2010/main">
+              <a14:hiddenEffects xmlns="" xmlns:a14="http://schemas.microsoft.com/office/drawing/2010/main">
                 <a:effectLst>
                   <a:outerShdw dist="35921" dir="2700000" algn="ctr" rotWithShape="0">
                     <a:schemeClr val="bg2"/>
@@ -387,14 +390,14 @@
           <a:noFill/>
           <a:extLst>
             <a:ext uri="{909E8E84-426E-40DD-AFC4-6F175D3DCCD1}">
-              <a14:hiddenFill xmlns:a14="http://schemas.microsoft.com/office/drawing/2010/main">
+              <a14:hiddenFill xmlns="" xmlns:a14="http://schemas.microsoft.com/office/drawing/2010/main">
                 <a:solidFill>
                   <a:schemeClr val="accent1"/>
                 </a:solidFill>
               </a14:hiddenFill>
             </a:ext>
             <a:ext uri="{91240B29-F687-4F45-9708-019B960494DF}">
-              <a14:hiddenLine xmlns:a14="http://schemas.microsoft.com/office/drawing/2010/main" w="9525">
+              <a14:hiddenLine xmlns="" xmlns:a14="http://schemas.microsoft.com/office/drawing/2010/main" w="9525">
                 <a:solidFill>
                   <a:srgbClr val="000000"/>
                 </a:solidFill>
@@ -404,7 +407,7 @@
               </a14:hiddenLine>
             </a:ext>
             <a:ext uri="{AF507438-7753-43E0-B8FC-AC1667EBCBE1}">
-              <a14:hiddenEffects xmlns:a14="http://schemas.microsoft.com/office/drawing/2010/main">
+              <a14:hiddenEffects xmlns="" xmlns:a14="http://schemas.microsoft.com/office/drawing/2010/main">
                 <a:effectLst>
                   <a:outerShdw dist="35921" dir="2700000" algn="ctr" rotWithShape="0">
                     <a:schemeClr val="bg2"/>
@@ -424,6 +427,8 @@
           <a:p>
             <a:fld id="{B3561BA9-CDCF-4958-B8AB-66F3BF063E13}" type="slidenum">
               <a:rPr lang="en-US" smtClean="0"/>
+              <a:pPr/>
+              <a:t>‹#›</a:t>
             </a:fld>
             <a:endParaRPr lang="en-US"/>
           </a:p>
@@ -498,7 +503,6 @@
               <a:rPr lang="en-US" smtClean="0"/>
               <a:t>Click to edit Master text styles</a:t>
             </a:r>
-            <a:endParaRPr lang="en-US" smtClean="0"/>
           </a:p>
           <a:p>
             <a:pPr lvl="1"/>
@@ -506,7 +510,6 @@
               <a:rPr lang="en-US" smtClean="0"/>
               <a:t>Second level</a:t>
             </a:r>
-            <a:endParaRPr lang="en-US" smtClean="0"/>
           </a:p>
           <a:p>
             <a:pPr lvl="2"/>
@@ -514,7 +517,6 @@
               <a:rPr lang="en-US" smtClean="0"/>
               <a:t>Third level</a:t>
             </a:r>
-            <a:endParaRPr lang="en-US" smtClean="0"/>
           </a:p>
           <a:p>
             <a:pPr lvl="3"/>
@@ -522,7 +524,6 @@
               <a:rPr lang="en-US" smtClean="0"/>
               <a:t>Fourth level</a:t>
             </a:r>
-            <a:endParaRPr lang="en-US" smtClean="0"/>
           </a:p>
           <a:p>
             <a:pPr lvl="4"/>
@@ -547,6 +548,7 @@
         <p:spPr/>
         <p:txBody>
           <a:bodyPr/>
+          <a:lstStyle/>
           <a:p>
             <a:pPr lvl="0"/>
             <a:endParaRPr lang="en-US"/>
@@ -566,6 +568,7 @@
         <p:spPr/>
         <p:txBody>
           <a:bodyPr/>
+          <a:lstStyle/>
           <a:p>
             <a:pPr lvl="0"/>
             <a:endParaRPr lang="en-US"/>
@@ -585,10 +588,13 @@
         <p:spPr/>
         <p:txBody>
           <a:bodyPr/>
+          <a:lstStyle/>
           <a:p>
             <a:pPr lvl="0"/>
             <a:fld id="{9A0DB2DC-4C9A-4742-B13C-FB6460FD3503}" type="slidenum">
               <a:rPr lang="en-US"/>
+              <a:pPr lvl="0"/>
+              <a:t>‹#›</a:t>
             </a:fld>
             <a:endParaRPr lang="en-US"/>
           </a:p>
@@ -673,7 +679,6 @@
               <a:rPr lang="en-US" smtClean="0"/>
               <a:t>Click to edit Master text styles</a:t>
             </a:r>
-            <a:endParaRPr lang="en-US" smtClean="0"/>
           </a:p>
           <a:p>
             <a:pPr lvl="1"/>
@@ -681,7 +686,6 @@
               <a:rPr lang="en-US" smtClean="0"/>
               <a:t>Second level</a:t>
             </a:r>
-            <a:endParaRPr lang="en-US" smtClean="0"/>
           </a:p>
           <a:p>
             <a:pPr lvl="2"/>
@@ -689,7 +693,6 @@
               <a:rPr lang="en-US" smtClean="0"/>
               <a:t>Third level</a:t>
             </a:r>
-            <a:endParaRPr lang="en-US" smtClean="0"/>
           </a:p>
           <a:p>
             <a:pPr lvl="3"/>
@@ -697,7 +700,6 @@
               <a:rPr lang="en-US" smtClean="0"/>
               <a:t>Fourth level</a:t>
             </a:r>
-            <a:endParaRPr lang="en-US" smtClean="0"/>
           </a:p>
           <a:p>
             <a:pPr lvl="4"/>
@@ -722,9 +724,12 @@
         <p:spPr/>
         <p:txBody>
           <a:bodyPr/>
+          <a:lstStyle/>
           <a:p>
             <a:fld id="{FDE934FF-F4E1-47C5-9CA5-30A81DDE2BE4}" type="datetimeFigureOut">
               <a:rPr lang="en-US" smtClean="0"/>
+              <a:pPr/>
+              <a:t>12/22/2020</a:t>
             </a:fld>
             <a:endParaRPr lang="en-US"/>
           </a:p>
@@ -743,6 +748,7 @@
         <p:spPr/>
         <p:txBody>
           <a:bodyPr/>
+          <a:lstStyle/>
           <a:p>
             <a:endParaRPr lang="en-US"/>
           </a:p>
@@ -761,9 +767,12 @@
         <p:spPr/>
         <p:txBody>
           <a:bodyPr/>
+          <a:lstStyle/>
           <a:p>
             <a:fld id="{B3561BA9-CDCF-4958-B8AB-66F3BF063E13}" type="slidenum">
               <a:rPr lang="en-US" smtClean="0"/>
+              <a:pPr/>
+              <a:t>‹#›</a:t>
             </a:fld>
             <a:endParaRPr lang="en-US"/>
           </a:p>
@@ -838,7 +847,6 @@
               <a:rPr lang="en-US" smtClean="0"/>
               <a:t>Click to edit Master text styles</a:t>
             </a:r>
-            <a:endParaRPr lang="en-US" smtClean="0"/>
           </a:p>
           <a:p>
             <a:pPr lvl="1"/>
@@ -846,7 +854,6 @@
               <a:rPr lang="en-US" smtClean="0"/>
               <a:t>Second level</a:t>
             </a:r>
-            <a:endParaRPr lang="en-US" smtClean="0"/>
           </a:p>
           <a:p>
             <a:pPr lvl="2"/>
@@ -854,7 +861,6 @@
               <a:rPr lang="en-US" smtClean="0"/>
               <a:t>Third level</a:t>
             </a:r>
-            <a:endParaRPr lang="en-US" smtClean="0"/>
           </a:p>
           <a:p>
             <a:pPr lvl="3"/>
@@ -862,7 +868,6 @@
               <a:rPr lang="en-US" smtClean="0"/>
               <a:t>Fourth level</a:t>
             </a:r>
-            <a:endParaRPr lang="en-US" smtClean="0"/>
           </a:p>
           <a:p>
             <a:pPr lvl="4"/>
@@ -887,9 +892,12 @@
         <p:spPr/>
         <p:txBody>
           <a:bodyPr/>
+          <a:lstStyle/>
           <a:p>
             <a:fld id="{FDE934FF-F4E1-47C5-9CA5-30A81DDE2BE4}" type="datetimeFigureOut">
               <a:rPr lang="en-US" smtClean="0"/>
+              <a:pPr/>
+              <a:t>12/22/2020</a:t>
             </a:fld>
             <a:endParaRPr lang="en-US"/>
           </a:p>
@@ -908,6 +916,7 @@
         <p:spPr/>
         <p:txBody>
           <a:bodyPr/>
+          <a:lstStyle/>
           <a:p>
             <a:endParaRPr lang="en-US"/>
           </a:p>
@@ -926,9 +935,12 @@
         <p:spPr/>
         <p:txBody>
           <a:bodyPr/>
+          <a:lstStyle/>
           <a:p>
             <a:fld id="{B3561BA9-CDCF-4958-B8AB-66F3BF063E13}" type="slidenum">
               <a:rPr lang="en-US" smtClean="0"/>
+              <a:pPr/>
+              <a:t>‹#›</a:t>
             </a:fld>
             <a:endParaRPr lang="en-US"/>
           </a:p>
@@ -1054,7 +1066,6 @@
               <a:rPr lang="en-US" smtClean="0"/>
               <a:t>Click to edit Master text styles</a:t>
             </a:r>
-            <a:endParaRPr lang="en-US" smtClean="0"/>
           </a:p>
         </p:txBody>
       </p:sp>
@@ -1071,9 +1082,12 @@
         <p:spPr/>
         <p:txBody>
           <a:bodyPr/>
+          <a:lstStyle/>
           <a:p>
             <a:fld id="{FDE934FF-F4E1-47C5-9CA5-30A81DDE2BE4}" type="datetimeFigureOut">
               <a:rPr lang="en-US" smtClean="0"/>
+              <a:pPr/>
+              <a:t>12/22/2020</a:t>
             </a:fld>
             <a:endParaRPr lang="en-US"/>
           </a:p>
@@ -1092,6 +1106,7 @@
         <p:spPr/>
         <p:txBody>
           <a:bodyPr/>
+          <a:lstStyle/>
           <a:p>
             <a:endParaRPr lang="en-US"/>
           </a:p>
@@ -1110,9 +1125,12 @@
         <p:spPr/>
         <p:txBody>
           <a:bodyPr/>
+          <a:lstStyle/>
           <a:p>
             <a:fld id="{B3561BA9-CDCF-4958-B8AB-66F3BF063E13}" type="slidenum">
               <a:rPr lang="en-US" smtClean="0"/>
+              <a:pPr/>
+              <a:t>‹#›</a:t>
             </a:fld>
             <a:endParaRPr lang="en-US"/>
           </a:p>
@@ -1192,7 +1210,6 @@
               <a:rPr lang="en-US" smtClean="0"/>
               <a:t>Click to edit Master text styles</a:t>
             </a:r>
-            <a:endParaRPr lang="en-US" smtClean="0"/>
           </a:p>
           <a:p>
             <a:pPr lvl="1"/>
@@ -1200,7 +1217,6 @@
               <a:rPr lang="en-US" smtClean="0"/>
               <a:t>Second level</a:t>
             </a:r>
-            <a:endParaRPr lang="en-US" smtClean="0"/>
           </a:p>
           <a:p>
             <a:pPr lvl="2"/>
@@ -1208,7 +1224,6 @@
               <a:rPr lang="en-US" smtClean="0"/>
               <a:t>Third level</a:t>
             </a:r>
-            <a:endParaRPr lang="en-US" smtClean="0"/>
           </a:p>
           <a:p>
             <a:pPr lvl="3"/>
@@ -1216,7 +1231,6 @@
               <a:rPr lang="en-US" smtClean="0"/>
               <a:t>Fourth level</a:t>
             </a:r>
-            <a:endParaRPr lang="en-US" smtClean="0"/>
           </a:p>
           <a:p>
             <a:pPr lvl="4"/>
@@ -1253,7 +1267,6 @@
               <a:rPr lang="en-US" smtClean="0"/>
               <a:t>Click to edit Master text styles</a:t>
             </a:r>
-            <a:endParaRPr lang="en-US" smtClean="0"/>
           </a:p>
           <a:p>
             <a:pPr lvl="1"/>
@@ -1261,7 +1274,6 @@
               <a:rPr lang="en-US" smtClean="0"/>
               <a:t>Second level</a:t>
             </a:r>
-            <a:endParaRPr lang="en-US" smtClean="0"/>
           </a:p>
           <a:p>
             <a:pPr lvl="2"/>
@@ -1269,7 +1281,6 @@
               <a:rPr lang="en-US" smtClean="0"/>
               <a:t>Third level</a:t>
             </a:r>
-            <a:endParaRPr lang="en-US" smtClean="0"/>
           </a:p>
           <a:p>
             <a:pPr lvl="3"/>
@@ -1277,7 +1288,6 @@
               <a:rPr lang="en-US" smtClean="0"/>
               <a:t>Fourth level</a:t>
             </a:r>
-            <a:endParaRPr lang="en-US" smtClean="0"/>
           </a:p>
           <a:p>
             <a:pPr lvl="4"/>
@@ -1302,9 +1312,12 @@
         <p:spPr/>
         <p:txBody>
           <a:bodyPr/>
+          <a:lstStyle/>
           <a:p>
             <a:fld id="{FDE934FF-F4E1-47C5-9CA5-30A81DDE2BE4}" type="datetimeFigureOut">
               <a:rPr lang="en-US" smtClean="0"/>
+              <a:pPr/>
+              <a:t>12/22/2020</a:t>
             </a:fld>
             <a:endParaRPr lang="en-US"/>
           </a:p>
@@ -1323,6 +1336,7 @@
         <p:spPr/>
         <p:txBody>
           <a:bodyPr/>
+          <a:lstStyle/>
           <a:p>
             <a:endParaRPr lang="en-US"/>
           </a:p>
@@ -1341,9 +1355,12 @@
         <p:spPr/>
         <p:txBody>
           <a:bodyPr/>
+          <a:lstStyle/>
           <a:p>
             <a:fld id="{B3561BA9-CDCF-4958-B8AB-66F3BF063E13}" type="slidenum">
               <a:rPr lang="en-US" smtClean="0"/>
+              <a:pPr/>
+              <a:t>‹#›</a:t>
             </a:fld>
             <a:endParaRPr lang="en-US"/>
           </a:p>
@@ -1465,7 +1482,6 @@
               <a:rPr lang="en-US" smtClean="0"/>
               <a:t>Click to edit Master text styles</a:t>
             </a:r>
-            <a:endParaRPr lang="en-US" smtClean="0"/>
           </a:p>
         </p:txBody>
       </p:sp>
@@ -1494,7 +1510,6 @@
               <a:rPr lang="en-US" smtClean="0"/>
               <a:t>Click to edit Master text styles</a:t>
             </a:r>
-            <a:endParaRPr lang="en-US" smtClean="0"/>
           </a:p>
           <a:p>
             <a:pPr lvl="1"/>
@@ -1502,7 +1517,6 @@
               <a:rPr lang="en-US" smtClean="0"/>
               <a:t>Second level</a:t>
             </a:r>
-            <a:endParaRPr lang="en-US" smtClean="0"/>
           </a:p>
           <a:p>
             <a:pPr lvl="2"/>
@@ -1510,7 +1524,6 @@
               <a:rPr lang="en-US" smtClean="0"/>
               <a:t>Third level</a:t>
             </a:r>
-            <a:endParaRPr lang="en-US" smtClean="0"/>
           </a:p>
           <a:p>
             <a:pPr lvl="3"/>
@@ -1518,7 +1531,6 @@
               <a:rPr lang="en-US" smtClean="0"/>
               <a:t>Fourth level</a:t>
             </a:r>
-            <a:endParaRPr lang="en-US" smtClean="0"/>
           </a:p>
           <a:p>
             <a:pPr lvl="4"/>
@@ -1592,7 +1604,6 @@
               <a:rPr lang="en-US" smtClean="0"/>
               <a:t>Click to edit Master text styles</a:t>
             </a:r>
-            <a:endParaRPr lang="en-US" smtClean="0"/>
           </a:p>
         </p:txBody>
       </p:sp>
@@ -1621,7 +1632,6 @@
               <a:rPr lang="en-US" smtClean="0"/>
               <a:t>Click to edit Master text styles</a:t>
             </a:r>
-            <a:endParaRPr lang="en-US" smtClean="0"/>
           </a:p>
           <a:p>
             <a:pPr lvl="1"/>
@@ -1629,7 +1639,6 @@
               <a:rPr lang="en-US" smtClean="0"/>
               <a:t>Second level</a:t>
             </a:r>
-            <a:endParaRPr lang="en-US" smtClean="0"/>
           </a:p>
           <a:p>
             <a:pPr lvl="2"/>
@@ -1637,7 +1646,6 @@
               <a:rPr lang="en-US" smtClean="0"/>
               <a:t>Third level</a:t>
             </a:r>
-            <a:endParaRPr lang="en-US" smtClean="0"/>
           </a:p>
           <a:p>
             <a:pPr lvl="3"/>
@@ -1645,7 +1653,6 @@
               <a:rPr lang="en-US" smtClean="0"/>
               <a:t>Fourth level</a:t>
             </a:r>
-            <a:endParaRPr lang="en-US" smtClean="0"/>
           </a:p>
           <a:p>
             <a:pPr lvl="4"/>
@@ -1670,9 +1677,12 @@
         <p:spPr/>
         <p:txBody>
           <a:bodyPr/>
+          <a:lstStyle/>
           <a:p>
             <a:fld id="{FDE934FF-F4E1-47C5-9CA5-30A81DDE2BE4}" type="datetimeFigureOut">
               <a:rPr lang="en-US" smtClean="0"/>
+              <a:pPr/>
+              <a:t>12/22/2020</a:t>
             </a:fld>
             <a:endParaRPr lang="en-US"/>
           </a:p>
@@ -1691,6 +1701,7 @@
         <p:spPr/>
         <p:txBody>
           <a:bodyPr/>
+          <a:lstStyle/>
           <a:p>
             <a:endParaRPr lang="en-US"/>
           </a:p>
@@ -1709,9 +1720,12 @@
         <p:spPr/>
         <p:txBody>
           <a:bodyPr/>
+          <a:lstStyle/>
           <a:p>
             <a:fld id="{B3561BA9-CDCF-4958-B8AB-66F3BF063E13}" type="slidenum">
               <a:rPr lang="en-US" smtClean="0"/>
+              <a:pPr/>
+              <a:t>‹#›</a:t>
             </a:fld>
             <a:endParaRPr lang="en-US"/>
           </a:p>
@@ -1779,9 +1793,12 @@
         <p:spPr/>
         <p:txBody>
           <a:bodyPr/>
+          <a:lstStyle/>
           <a:p>
             <a:fld id="{FDE934FF-F4E1-47C5-9CA5-30A81DDE2BE4}" type="datetimeFigureOut">
               <a:rPr lang="en-US" smtClean="0"/>
+              <a:pPr/>
+              <a:t>12/22/2020</a:t>
             </a:fld>
             <a:endParaRPr lang="en-US"/>
           </a:p>
@@ -1800,6 +1817,7 @@
         <p:spPr/>
         <p:txBody>
           <a:bodyPr/>
+          <a:lstStyle/>
           <a:p>
             <a:endParaRPr lang="en-US"/>
           </a:p>
@@ -1818,9 +1836,12 @@
         <p:spPr/>
         <p:txBody>
           <a:bodyPr/>
+          <a:lstStyle/>
           <a:p>
             <a:fld id="{B3561BA9-CDCF-4958-B8AB-66F3BF063E13}" type="slidenum">
               <a:rPr lang="en-US" smtClean="0"/>
+              <a:pPr/>
+              <a:t>‹#›</a:t>
             </a:fld>
             <a:endParaRPr lang="en-US"/>
           </a:p>
@@ -1865,9 +1886,12 @@
         <p:spPr/>
         <p:txBody>
           <a:bodyPr/>
+          <a:lstStyle/>
           <a:p>
             <a:fld id="{FDE934FF-F4E1-47C5-9CA5-30A81DDE2BE4}" type="datetimeFigureOut">
               <a:rPr lang="en-US" smtClean="0"/>
+              <a:pPr/>
+              <a:t>12/22/2020</a:t>
             </a:fld>
             <a:endParaRPr lang="en-US"/>
           </a:p>
@@ -1886,6 +1910,7 @@
         <p:spPr/>
         <p:txBody>
           <a:bodyPr/>
+          <a:lstStyle/>
           <a:p>
             <a:endParaRPr lang="en-US"/>
           </a:p>
@@ -1904,9 +1929,12 @@
         <p:spPr/>
         <p:txBody>
           <a:bodyPr/>
+          <a:lstStyle/>
           <a:p>
             <a:fld id="{B3561BA9-CDCF-4958-B8AB-66F3BF063E13}" type="slidenum">
               <a:rPr lang="en-US" smtClean="0"/>
+              <a:pPr/>
+              <a:t>‹#›</a:t>
             </a:fld>
             <a:endParaRPr lang="en-US"/>
           </a:p>
@@ -2023,7 +2051,6 @@
               <a:rPr lang="en-US" smtClean="0"/>
               <a:t>Click to edit Master text styles</a:t>
             </a:r>
-            <a:endParaRPr lang="en-US" smtClean="0"/>
           </a:p>
           <a:p>
             <a:pPr lvl="1"/>
@@ -2031,7 +2058,6 @@
               <a:rPr lang="en-US" smtClean="0"/>
               <a:t>Second level</a:t>
             </a:r>
-            <a:endParaRPr lang="en-US" smtClean="0"/>
           </a:p>
           <a:p>
             <a:pPr lvl="2"/>
@@ -2039,7 +2065,6 @@
               <a:rPr lang="en-US" smtClean="0"/>
               <a:t>Third level</a:t>
             </a:r>
-            <a:endParaRPr lang="en-US" smtClean="0"/>
           </a:p>
           <a:p>
             <a:pPr lvl="3"/>
@@ -2047,7 +2072,6 @@
               <a:rPr lang="en-US" smtClean="0"/>
               <a:t>Fourth level</a:t>
             </a:r>
-            <a:endParaRPr lang="en-US" smtClean="0"/>
           </a:p>
           <a:p>
             <a:pPr lvl="4"/>
@@ -2121,7 +2145,6 @@
               <a:rPr lang="en-US" smtClean="0"/>
               <a:t>Click to edit Master text styles</a:t>
             </a:r>
-            <a:endParaRPr lang="en-US" smtClean="0"/>
           </a:p>
         </p:txBody>
       </p:sp>
@@ -2138,6 +2161,7 @@
         <p:spPr/>
         <p:txBody>
           <a:bodyPr/>
+          <a:lstStyle/>
           <a:p>
             <a:pPr lvl="0"/>
             <a:endParaRPr lang="en-US"/>
@@ -2157,6 +2181,7 @@
         <p:spPr/>
         <p:txBody>
           <a:bodyPr/>
+          <a:lstStyle/>
           <a:p>
             <a:pPr lvl="0"/>
             <a:endParaRPr lang="en-US"/>
@@ -2176,10 +2201,13 @@
         <p:spPr/>
         <p:txBody>
           <a:bodyPr/>
+          <a:lstStyle/>
           <a:p>
             <a:pPr lvl="0"/>
             <a:fld id="{9A0DB2DC-4C9A-4742-B13C-FB6460FD3503}" type="slidenum">
               <a:rPr lang="en-US"/>
+              <a:pPr lvl="0"/>
+              <a:t>‹#›</a:t>
             </a:fld>
             <a:endParaRPr lang="en-US"/>
           </a:p>
@@ -2395,7 +2423,6 @@
               <a:rPr lang="en-US" smtClean="0"/>
               <a:t>Click to edit Master text styles</a:t>
             </a:r>
-            <a:endParaRPr lang="en-US" smtClean="0"/>
           </a:p>
         </p:txBody>
       </p:sp>
@@ -2412,9 +2439,12 @@
         <p:spPr/>
         <p:txBody>
           <a:bodyPr/>
+          <a:lstStyle/>
           <a:p>
             <a:fld id="{FDE934FF-F4E1-47C5-9CA5-30A81DDE2BE4}" type="datetimeFigureOut">
               <a:rPr lang="en-US" smtClean="0"/>
+              <a:pPr/>
+              <a:t>12/22/2020</a:t>
             </a:fld>
             <a:endParaRPr lang="en-US"/>
           </a:p>
@@ -2433,6 +2463,7 @@
         <p:spPr/>
         <p:txBody>
           <a:bodyPr/>
+          <a:lstStyle/>
           <a:p>
             <a:endParaRPr lang="en-US"/>
           </a:p>
@@ -2451,9 +2482,12 @@
         <p:spPr/>
         <p:txBody>
           <a:bodyPr/>
+          <a:lstStyle/>
           <a:p>
             <a:fld id="{B3561BA9-CDCF-4958-B8AB-66F3BF063E13}" type="slidenum">
               <a:rPr lang="en-US" smtClean="0"/>
+              <a:pPr/>
+              <a:t>‹#›</a:t>
             </a:fld>
             <a:endParaRPr lang="en-US"/>
           </a:p>
@@ -2485,7 +2519,14 @@
         <p:cNvGrpSpPr/>
         <p:nvPr/>
       </p:nvGrpSpPr>
-      <p:grpSpPr/>
+      <p:grpSpPr>
+        <a:xfrm>
+          <a:off x="0" y="0"/>
+          <a:ext cx="0" cy="0"/>
+          <a:chOff x="0" y="0"/>
+          <a:chExt cx="0" cy="0"/>
+        </a:xfrm>
+      </p:grpSpPr>
       <p:pic>
         <p:nvPicPr>
           <p:cNvPr id="1026" name="Picture 6"/>
@@ -2495,7 +2536,7 @@
           <p:nvPr/>
         </p:nvPicPr>
         <p:blipFill>
-          <a:blip r:embed="rId12"/>
+          <a:blip r:embed="rId13"/>
           <a:stretch>
             <a:fillRect/>
           </a:stretch>
@@ -2539,13 +2580,13 @@
         </p:spPr>
         <p:txBody>
           <a:bodyPr anchor="ctr"/>
+          <a:lstStyle/>
           <a:p>
             <a:pPr lvl="0"/>
             <a:r>
               <a:rPr lang="en-US" altLang="zh-CN" dirty="0"/>
               <a:t>Click to edit Master title style</a:t>
             </a:r>
-            <a:endParaRPr lang="en-US" altLang="zh-CN" dirty="0"/>
           </a:p>
         </p:txBody>
       </p:sp>
@@ -2574,13 +2615,13 @@
         </p:spPr>
         <p:txBody>
           <a:bodyPr/>
+          <a:lstStyle/>
           <a:p>
             <a:pPr lvl="0"/>
             <a:r>
               <a:rPr lang="en-US" altLang="zh-CN" dirty="0"/>
               <a:t>Click to edit Master text styles</a:t>
             </a:r>
-            <a:endParaRPr lang="en-US" altLang="zh-CN" dirty="0"/>
           </a:p>
           <a:p>
             <a:pPr lvl="1"/>
@@ -2588,7 +2629,6 @@
               <a:rPr lang="en-US" altLang="zh-CN" dirty="0"/>
               <a:t>Second level</a:t>
             </a:r>
-            <a:endParaRPr lang="en-US" altLang="zh-CN" dirty="0"/>
           </a:p>
           <a:p>
             <a:pPr lvl="2"/>
@@ -2596,7 +2636,6 @@
               <a:rPr lang="en-US" altLang="zh-CN" dirty="0"/>
               <a:t>Third level</a:t>
             </a:r>
-            <a:endParaRPr lang="en-US" altLang="zh-CN" dirty="0"/>
           </a:p>
           <a:p>
             <a:pPr lvl="3"/>
@@ -2604,7 +2643,6 @@
               <a:rPr lang="en-US" altLang="zh-CN" dirty="0"/>
               <a:t>Fourth level</a:t>
             </a:r>
-            <a:endParaRPr lang="en-US" altLang="zh-CN" dirty="0"/>
           </a:p>
           <a:p>
             <a:pPr lvl="4"/>
@@ -2612,7 +2650,6 @@
               <a:rPr lang="en-US" altLang="zh-CN" dirty="0"/>
               <a:t>Fifth level</a:t>
             </a:r>
-            <a:endParaRPr lang="en-US" altLang="zh-CN" dirty="0"/>
           </a:p>
         </p:txBody>
       </p:sp>
@@ -2641,14 +2678,14 @@
           <a:effectLst/>
           <a:extLst>
             <a:ext uri="{909E8E84-426E-40DD-AFC4-6F175D3DCCD1}">
-              <a14:hiddenFill xmlns:a14="http://schemas.microsoft.com/office/drawing/2010/main">
+              <a14:hiddenFill xmlns="" xmlns:a14="http://schemas.microsoft.com/office/drawing/2010/main">
                 <a:solidFill>
                   <a:schemeClr val="accent1"/>
                 </a:solidFill>
               </a14:hiddenFill>
             </a:ext>
             <a:ext uri="{91240B29-F687-4F45-9708-019B960494DF}">
-              <a14:hiddenLine xmlns:a14="http://schemas.microsoft.com/office/drawing/2010/main" w="9525">
+              <a14:hiddenLine xmlns="" xmlns:a14="http://schemas.microsoft.com/office/drawing/2010/main" w="9525">
                 <a:solidFill>
                   <a:srgbClr val="000000"/>
                 </a:solidFill>
@@ -2658,7 +2695,7 @@
               </a14:hiddenLine>
             </a:ext>
             <a:ext uri="{AF507438-7753-43E0-B8FC-AC1667EBCBE1}">
-              <a14:hiddenEffects xmlns:a14="http://schemas.microsoft.com/office/drawing/2010/main">
+              <a14:hiddenEffects xmlns="" xmlns:a14="http://schemas.microsoft.com/office/drawing/2010/main">
                 <a:effectLst>
                   <a:outerShdw dist="35921" dir="2700000" algn="ctr" rotWithShape="0">
                     <a:schemeClr val="bg2"/>
@@ -2678,6 +2715,8 @@
           <a:p>
             <a:fld id="{FDE934FF-F4E1-47C5-9CA5-30A81DDE2BE4}" type="datetimeFigureOut">
               <a:rPr lang="en-US" smtClean="0"/>
+              <a:pPr/>
+              <a:t>12/22/2020</a:t>
             </a:fld>
             <a:endParaRPr lang="en-US"/>
           </a:p>
@@ -2708,14 +2747,14 @@
           <a:effectLst/>
           <a:extLst>
             <a:ext uri="{909E8E84-426E-40DD-AFC4-6F175D3DCCD1}">
-              <a14:hiddenFill xmlns:a14="http://schemas.microsoft.com/office/drawing/2010/main">
+              <a14:hiddenFill xmlns="" xmlns:a14="http://schemas.microsoft.com/office/drawing/2010/main">
                 <a:solidFill>
                   <a:schemeClr val="accent1"/>
                 </a:solidFill>
               </a14:hiddenFill>
             </a:ext>
             <a:ext uri="{91240B29-F687-4F45-9708-019B960494DF}">
-              <a14:hiddenLine xmlns:a14="http://schemas.microsoft.com/office/drawing/2010/main" w="9525">
+              <a14:hiddenLine xmlns="" xmlns:a14="http://schemas.microsoft.com/office/drawing/2010/main" w="9525">
                 <a:solidFill>
                   <a:srgbClr val="000000"/>
                 </a:solidFill>
@@ -2725,7 +2764,7 @@
               </a14:hiddenLine>
             </a:ext>
             <a:ext uri="{AF507438-7753-43E0-B8FC-AC1667EBCBE1}">
-              <a14:hiddenEffects xmlns:a14="http://schemas.microsoft.com/office/drawing/2010/main">
+              <a14:hiddenEffects xmlns="" xmlns:a14="http://schemas.microsoft.com/office/drawing/2010/main">
                 <a:effectLst>
                   <a:outerShdw dist="35921" dir="2700000" algn="ctr" rotWithShape="0">
                     <a:schemeClr val="bg2"/>
@@ -2772,14 +2811,14 @@
           <a:effectLst/>
           <a:extLst>
             <a:ext uri="{909E8E84-426E-40DD-AFC4-6F175D3DCCD1}">
-              <a14:hiddenFill xmlns:a14="http://schemas.microsoft.com/office/drawing/2010/main">
+              <a14:hiddenFill xmlns="" xmlns:a14="http://schemas.microsoft.com/office/drawing/2010/main">
                 <a:solidFill>
                   <a:schemeClr val="accent1"/>
                 </a:solidFill>
               </a14:hiddenFill>
             </a:ext>
             <a:ext uri="{91240B29-F687-4F45-9708-019B960494DF}">
-              <a14:hiddenLine xmlns:a14="http://schemas.microsoft.com/office/drawing/2010/main" w="9525">
+              <a14:hiddenLine xmlns="" xmlns:a14="http://schemas.microsoft.com/office/drawing/2010/main" w="9525">
                 <a:solidFill>
                   <a:srgbClr val="000000"/>
                 </a:solidFill>
@@ -2789,7 +2828,7 @@
               </a14:hiddenLine>
             </a:ext>
             <a:ext uri="{AF507438-7753-43E0-B8FC-AC1667EBCBE1}">
-              <a14:hiddenEffects xmlns:a14="http://schemas.microsoft.com/office/drawing/2010/main">
+              <a14:hiddenEffects xmlns="" xmlns:a14="http://schemas.microsoft.com/office/drawing/2010/main">
                 <a:effectLst>
                   <a:outerShdw dist="35921" dir="2700000" algn="ctr" rotWithShape="0">
                     <a:schemeClr val="bg2"/>
@@ -2809,6 +2848,8 @@
           <a:p>
             <a:fld id="{B3561BA9-CDCF-4958-B8AB-66F3BF063E13}" type="slidenum">
               <a:rPr lang="en-US" smtClean="0"/>
+              <a:pPr/>
+              <a:t>‹#›</a:t>
             </a:fld>
             <a:endParaRPr lang="en-US"/>
           </a:p>
@@ -3237,7 +3278,14 @@
         <p:cNvGrpSpPr/>
         <p:nvPr/>
       </p:nvGrpSpPr>
-      <p:grpSpPr/>
+      <p:grpSpPr>
+        <a:xfrm>
+          <a:off x="0" y="0"/>
+          <a:ext cx="0" cy="0"/>
+          <a:chOff x="0" y="0"/>
+          <a:chExt cx="0" cy="0"/>
+        </a:xfrm>
+      </p:grpSpPr>
       <p:sp>
         <p:nvSpPr>
           <p:cNvPr id="2" name="Title 1"/>
@@ -3251,12 +3299,12 @@
         <p:spPr/>
         <p:txBody>
           <a:bodyPr/>
+          <a:lstStyle/>
           <a:p>
             <a:r>
               <a:rPr lang="en-US"/>
               <a:t>Railway Reservation System</a:t>
             </a:r>
-            <a:endParaRPr lang="en-US"/>
           </a:p>
         </p:txBody>
       </p:sp>
@@ -3273,26 +3321,24 @@
         <p:spPr/>
         <p:txBody>
           <a:bodyPr/>
+          <a:lstStyle/>
           <a:p>
             <a:r>
               <a:rPr lang="en-US"/>
               <a:t>Team Member:-</a:t>
             </a:r>
-            <a:endParaRPr lang="en-US"/>
           </a:p>
           <a:p>
             <a:r>
               <a:rPr lang="en-US"/>
               <a:t>Md Miraj Ansari</a:t>
             </a:r>
-            <a:endParaRPr lang="en-US"/>
           </a:p>
           <a:p>
             <a:r>
               <a:rPr lang="en-US"/>
               <a:t>Vivek Pandey</a:t>
             </a:r>
-            <a:endParaRPr lang="en-US"/>
           </a:p>
         </p:txBody>
       </p:sp>
@@ -3304,6 +3350,13 @@
   <p:clrMapOvr>
     <a:masterClrMapping/>
   </p:clrMapOvr>
+  <p:timing>
+    <p:tnLst>
+      <p:par>
+        <p:cTn id="1" dur="indefinite" restart="never" nodeType="tmRoot"/>
+      </p:par>
+    </p:tnLst>
+  </p:timing>
 </p:sld>
 </file>
 
@@ -3316,7 +3369,14 @@
         <p:cNvGrpSpPr/>
         <p:nvPr/>
       </p:nvGrpSpPr>
-      <p:grpSpPr/>
+      <p:grpSpPr>
+        <a:xfrm>
+          <a:off x="0" y="0"/>
+          <a:ext cx="0" cy="0"/>
+          <a:chOff x="0" y="0"/>
+          <a:chExt cx="0" cy="0"/>
+        </a:xfrm>
+      </p:grpSpPr>
       <p:sp>
         <p:nvSpPr>
           <p:cNvPr id="2" name="Title 1"/>
@@ -3330,8 +3390,12 @@
         <p:spPr/>
         <p:txBody>
           <a:bodyPr/>
-          <a:p>
-            <a:endParaRPr lang="en-US"/>
+          <a:lstStyle/>
+          <a:p>
+            <a:r>
+              <a:rPr lang="en-US"/>
+              <a:t>Screenshots</a:t>
+            </a:r>
           </a:p>
         </p:txBody>
       </p:sp>
@@ -3348,28 +3412,126 @@
         <p:spPr/>
         <p:txBody>
           <a:bodyPr/>
-          <a:p>
+          <a:lstStyle/>
+          <a:p>
+            <a:pPr marL="0" indent="0">
+              <a:buNone/>
+            </a:pPr>
             <a:endParaRPr lang="en-US"/>
           </a:p>
         </p:txBody>
       </p:sp>
       <p:pic>
         <p:nvPicPr>
-          <p:cNvPr id="4" name="Picture 3" descr="WhatsApp Image 2020-12-06 at 2.21.16 PM"/>
+          <p:cNvPr id="4" name="Picture 3" descr="WhatsApp Image 2020-12-06 at 2.11.34 PM (1)"/>
           <p:cNvPicPr>
             <a:picLocks noChangeAspect="1"/>
           </p:cNvPicPr>
           <p:nvPr/>
         </p:nvPicPr>
         <p:blipFill>
-          <a:blip r:embed="rId1"/>
+          <a:blip r:embed="rId2"/>
           <a:stretch>
             <a:fillRect/>
           </a:stretch>
         </p:blipFill>
         <p:spPr>
           <a:xfrm>
-            <a:off x="1228725" y="1007745"/>
+            <a:off x="878205" y="1174750"/>
+            <a:ext cx="10058400" cy="5397500"/>
+          </a:xfrm>
+          <a:prstGeom prst="rect">
+            <a:avLst/>
+          </a:prstGeom>
+        </p:spPr>
+      </p:pic>
+    </p:spTree>
+  </p:cSld>
+  <p:clrMapOvr>
+    <a:masterClrMapping/>
+  </p:clrMapOvr>
+  <p:timing>
+    <p:tnLst>
+      <p:par>
+        <p:cTn id="1" dur="indefinite" restart="never" nodeType="tmRoot"/>
+      </p:par>
+    </p:tnLst>
+  </p:timing>
+</p:sld>
+</file>
+
+<file path=ppt/slides/slide11.xml><?xml version="1.0" encoding="utf-8"?>
+<p:sld xmlns:a="http://schemas.openxmlformats.org/drawingml/2006/main" xmlns:r="http://schemas.openxmlformats.org/officeDocument/2006/relationships" xmlns:p="http://schemas.openxmlformats.org/presentationml/2006/main">
+  <p:cSld>
+    <p:spTree>
+      <p:nvGrpSpPr>
+        <p:cNvPr id="1" name=""/>
+        <p:cNvGrpSpPr/>
+        <p:nvPr/>
+      </p:nvGrpSpPr>
+      <p:grpSpPr>
+        <a:xfrm>
+          <a:off x="0" y="0"/>
+          <a:ext cx="0" cy="0"/>
+          <a:chOff x="0" y="0"/>
+          <a:chExt cx="0" cy="0"/>
+        </a:xfrm>
+      </p:grpSpPr>
+      <p:sp>
+        <p:nvSpPr>
+          <p:cNvPr id="2" name="Title 1"/>
+          <p:cNvSpPr>
+            <a:spLocks noGrp="1"/>
+          </p:cNvSpPr>
+          <p:nvPr>
+            <p:ph type="title"/>
+          </p:nvPr>
+        </p:nvSpPr>
+        <p:spPr/>
+        <p:txBody>
+          <a:bodyPr/>
+          <a:lstStyle/>
+          <a:p>
+            <a:endParaRPr lang="en-US"/>
+          </a:p>
+        </p:txBody>
+      </p:sp>
+      <p:sp>
+        <p:nvSpPr>
+          <p:cNvPr id="3" name="Content Placeholder 2"/>
+          <p:cNvSpPr>
+            <a:spLocks noGrp="1"/>
+          </p:cNvSpPr>
+          <p:nvPr>
+            <p:ph idx="1"/>
+          </p:nvPr>
+        </p:nvSpPr>
+        <p:spPr/>
+        <p:txBody>
+          <a:bodyPr/>
+          <a:lstStyle/>
+          <a:p>
+            <a:endParaRPr lang="en-US"/>
+          </a:p>
+        </p:txBody>
+      </p:sp>
+      <p:pic>
+        <p:nvPicPr>
+          <p:cNvPr id="4" name="Picture 3" descr="WhatsApp Image 2020-12-06 at 2.15.03 PM"/>
+          <p:cNvPicPr>
+            <a:picLocks noChangeAspect="1"/>
+          </p:cNvPicPr>
+          <p:nvPr/>
+        </p:nvPicPr>
+        <p:blipFill>
+          <a:blip r:embed="rId2"/>
+          <a:stretch>
+            <a:fillRect/>
+          </a:stretch>
+        </p:blipFill>
+        <p:spPr>
+          <a:xfrm>
+            <a:off x="877570" y="986155"/>
             <a:ext cx="10058400" cy="5649595"/>
           </a:xfrm>
           <a:prstGeom prst="rect">
@@ -3382,131 +3544,13 @@
   <p:clrMapOvr>
     <a:masterClrMapping/>
   </p:clrMapOvr>
-</p:sld>
-</file>
-
-<file path=ppt/slides/slide11.xml><?xml version="1.0" encoding="utf-8"?>
-<p:sld xmlns:a="http://schemas.openxmlformats.org/drawingml/2006/main" xmlns:r="http://schemas.openxmlformats.org/officeDocument/2006/relationships" xmlns:p="http://schemas.openxmlformats.org/presentationml/2006/main">
-  <p:cSld>
-    <p:spTree>
-      <p:nvGrpSpPr>
-        <p:cNvPr id="1" name=""/>
-        <p:cNvGrpSpPr/>
-        <p:nvPr/>
-      </p:nvGrpSpPr>
-      <p:grpSpPr/>
-      <p:sp>
-        <p:nvSpPr>
-          <p:cNvPr id="2" name="Title 1"/>
-          <p:cNvSpPr>
-            <a:spLocks noGrp="1"/>
-          </p:cNvSpPr>
-          <p:nvPr>
-            <p:ph type="title"/>
-          </p:nvPr>
-        </p:nvSpPr>
-        <p:spPr/>
-        <p:txBody>
-          <a:bodyPr/>
-          <a:p>
-            <a:r>
-              <a:rPr lang="en-US"/>
-              <a:t>Future Scope</a:t>
-            </a:r>
-            <a:endParaRPr lang="en-US"/>
-          </a:p>
-        </p:txBody>
-      </p:sp>
-      <p:sp>
-        <p:nvSpPr>
-          <p:cNvPr id="3" name="Content Placeholder 2"/>
-          <p:cNvSpPr>
-            <a:spLocks noGrp="1"/>
-          </p:cNvSpPr>
-          <p:nvPr>
-            <p:ph idx="1"/>
-          </p:nvPr>
-        </p:nvSpPr>
-        <p:spPr/>
-        <p:txBody>
-          <a:bodyPr/>
-          <a:p>
-            <a:pPr marL="0" indent="0" algn="l">
-              <a:buFont typeface="Arial" panose="020B0704020202020204" pitchFamily="34" charset="0"/>
-              <a:buNone/>
-            </a:pPr>
-            <a:r>
-              <a:rPr lang="en-US" dirty="0" smtClean="0">
-                <a:sym typeface="+mn-ea"/>
-              </a:rPr>
-              <a:t>This project is currently running on the local server, as soon as we take the web </a:t>
-            </a:r>
-            <a:r>
-              <a:rPr lang="hi-IN" dirty="0" smtClean="0">
-                <a:sym typeface="+mn-ea"/>
-              </a:rPr>
-              <a:t>API</a:t>
-            </a:r>
-            <a:r>
-              <a:rPr lang="en-US" dirty="0" smtClean="0">
-                <a:sym typeface="+mn-ea"/>
-              </a:rPr>
-              <a:t> of the railway, we will make it live completely.</a:t>
-            </a:r>
-            <a:endParaRPr lang="en-US" dirty="0" smtClean="0">
-              <a:sym typeface="+mn-ea"/>
-            </a:endParaRPr>
-          </a:p>
-          <a:p>
-            <a:pPr marL="0" indent="0" algn="l">
-              <a:buFont typeface="Arial" panose="020B0704020202020204" pitchFamily="34" charset="0"/>
-              <a:buNone/>
-            </a:pPr>
-            <a:r>
-              <a:rPr lang="en-US" dirty="0" smtClean="0">
-                <a:sym typeface="+mn-ea"/>
-              </a:rPr>
-              <a:t>This project has been designed by looking at the current situation.We will use ADHAR data fetching techniques as soon as possible in the future, which is not being used in </a:t>
-            </a:r>
-            <a:r>
-              <a:rPr lang="en-US" dirty="0" err="1" smtClean="0">
-                <a:sym typeface="+mn-ea"/>
-              </a:rPr>
-              <a:t>realtime</a:t>
-            </a:r>
-            <a:r>
-              <a:rPr lang="en-US" dirty="0" smtClean="0">
-                <a:sym typeface="+mn-ea"/>
-              </a:rPr>
-              <a:t> in </a:t>
-            </a:r>
-            <a:r>
-              <a:rPr lang="en-US" dirty="0" err="1" smtClean="0">
-                <a:sym typeface="+mn-ea"/>
-              </a:rPr>
-              <a:t>irctc</a:t>
-            </a:r>
-            <a:r>
-              <a:rPr lang="en-US" dirty="0" smtClean="0">
-                <a:sym typeface="+mn-ea"/>
-              </a:rPr>
-              <a:t>.</a:t>
-            </a:r>
-            <a:endParaRPr lang="en-US" i="0" dirty="0"/>
-          </a:p>
-          <a:p>
-            <a:pPr marL="0" indent="0">
-              <a:buNone/>
-            </a:pPr>
-            <a:endParaRPr lang="en-US"/>
-          </a:p>
-        </p:txBody>
-      </p:sp>
-    </p:spTree>
-  </p:cSld>
-  <p:clrMapOvr>
-    <a:masterClrMapping/>
-  </p:clrMapOvr>
+  <p:timing>
+    <p:tnLst>
+      <p:par>
+        <p:cTn id="1" dur="indefinite" restart="never" nodeType="tmRoot"/>
+      </p:par>
+    </p:tnLst>
+  </p:timing>
 </p:sld>
 </file>
 
@@ -3519,7 +3563,14 @@
         <p:cNvGrpSpPr/>
         <p:nvPr/>
       </p:nvGrpSpPr>
-      <p:grpSpPr/>
+      <p:grpSpPr>
+        <a:xfrm>
+          <a:off x="0" y="0"/>
+          <a:ext cx="0" cy="0"/>
+          <a:chOff x="0" y="0"/>
+          <a:chExt cx="0" cy="0"/>
+        </a:xfrm>
+      </p:grpSpPr>
       <p:sp>
         <p:nvSpPr>
           <p:cNvPr id="2" name="Title 1"/>
@@ -3533,11 +3584,8 @@
         <p:spPr/>
         <p:txBody>
           <a:bodyPr/>
-          <a:p>
-            <a:r>
-              <a:rPr lang="en-US"/>
-              <a:t>Thank You.</a:t>
-            </a:r>
+          <a:lstStyle/>
+          <a:p>
             <a:endParaRPr lang="en-US"/>
           </a:p>
         </p:txBody>
@@ -3555,16 +3603,354 @@
         <p:spPr/>
         <p:txBody>
           <a:bodyPr/>
-          <a:p>
-            <a:endParaRPr lang="en-US"/>
-          </a:p>
-        </p:txBody>
-      </p:sp>
+          <a:lstStyle/>
+          <a:p>
+            <a:endParaRPr lang="en-US"/>
+          </a:p>
+        </p:txBody>
+      </p:sp>
+      <p:pic>
+        <p:nvPicPr>
+          <p:cNvPr id="4" name="Picture 3" descr="WhatsApp Image 2020-12-06 at 2.12.01 PM"/>
+          <p:cNvPicPr>
+            <a:picLocks noChangeAspect="1"/>
+          </p:cNvPicPr>
+          <p:nvPr/>
+        </p:nvPicPr>
+        <p:blipFill>
+          <a:blip r:embed="rId2"/>
+          <a:stretch>
+            <a:fillRect/>
+          </a:stretch>
+        </p:blipFill>
+        <p:spPr>
+          <a:xfrm>
+            <a:off x="873760" y="1009015"/>
+            <a:ext cx="10058400" cy="5649595"/>
+          </a:xfrm>
+          <a:prstGeom prst="rect">
+            <a:avLst/>
+          </a:prstGeom>
+        </p:spPr>
+      </p:pic>
     </p:spTree>
   </p:cSld>
   <p:clrMapOvr>
     <a:masterClrMapping/>
   </p:clrMapOvr>
+  <p:timing>
+    <p:tnLst>
+      <p:par>
+        <p:cTn id="1" dur="indefinite" restart="never" nodeType="tmRoot"/>
+      </p:par>
+    </p:tnLst>
+  </p:timing>
+</p:sld>
+</file>
+
+<file path=ppt/slides/slide13.xml><?xml version="1.0" encoding="utf-8"?>
+<p:sld xmlns:a="http://schemas.openxmlformats.org/drawingml/2006/main" xmlns:r="http://schemas.openxmlformats.org/officeDocument/2006/relationships" xmlns:p="http://schemas.openxmlformats.org/presentationml/2006/main">
+  <p:cSld>
+    <p:spTree>
+      <p:nvGrpSpPr>
+        <p:cNvPr id="1" name=""/>
+        <p:cNvGrpSpPr/>
+        <p:nvPr/>
+      </p:nvGrpSpPr>
+      <p:grpSpPr>
+        <a:xfrm>
+          <a:off x="0" y="0"/>
+          <a:ext cx="0" cy="0"/>
+          <a:chOff x="0" y="0"/>
+          <a:chExt cx="0" cy="0"/>
+        </a:xfrm>
+      </p:grpSpPr>
+      <p:sp>
+        <p:nvSpPr>
+          <p:cNvPr id="2" name="Title 1"/>
+          <p:cNvSpPr>
+            <a:spLocks noGrp="1"/>
+          </p:cNvSpPr>
+          <p:nvPr>
+            <p:ph type="title"/>
+          </p:nvPr>
+        </p:nvSpPr>
+        <p:spPr/>
+        <p:txBody>
+          <a:bodyPr/>
+          <a:lstStyle/>
+          <a:p>
+            <a:endParaRPr lang="en-US"/>
+          </a:p>
+        </p:txBody>
+      </p:sp>
+      <p:sp>
+        <p:nvSpPr>
+          <p:cNvPr id="3" name="Content Placeholder 2"/>
+          <p:cNvSpPr>
+            <a:spLocks noGrp="1"/>
+          </p:cNvSpPr>
+          <p:nvPr>
+            <p:ph idx="1"/>
+          </p:nvPr>
+        </p:nvSpPr>
+        <p:spPr/>
+        <p:txBody>
+          <a:bodyPr/>
+          <a:lstStyle/>
+          <a:p>
+            <a:endParaRPr lang="en-US" dirty="0"/>
+          </a:p>
+        </p:txBody>
+      </p:sp>
+      <p:pic>
+        <p:nvPicPr>
+          <p:cNvPr id="1026" name="Picture 2" descr="C:\Users\WIN7\Downloads\WhatsApp Image 2020-12-22 at 7.57.45 PM.jpeg"/>
+          <p:cNvPicPr>
+            <a:picLocks noChangeAspect="1" noChangeArrowheads="1"/>
+          </p:cNvPicPr>
+          <p:nvPr/>
+        </p:nvPicPr>
+        <p:blipFill>
+          <a:blip r:embed="rId2"/>
+          <a:srcRect/>
+          <a:stretch>
+            <a:fillRect/>
+          </a:stretch>
+        </p:blipFill>
+        <p:spPr bwMode="auto">
+          <a:xfrm>
+            <a:off x="1362745" y="1188720"/>
+            <a:ext cx="8886700" cy="4991826"/>
+          </a:xfrm>
+          <a:prstGeom prst="rect">
+            <a:avLst/>
+          </a:prstGeom>
+          <a:noFill/>
+        </p:spPr>
+      </p:pic>
+    </p:spTree>
+  </p:cSld>
+  <p:clrMapOvr>
+    <a:masterClrMapping/>
+  </p:clrMapOvr>
+  <p:timing>
+    <p:tnLst>
+      <p:par>
+        <p:cTn id="1" dur="indefinite" restart="never" nodeType="tmRoot"/>
+      </p:par>
+    </p:tnLst>
+  </p:timing>
+</p:sld>
+</file>
+
+<file path=ppt/slides/slide14.xml><?xml version="1.0" encoding="utf-8"?>
+<p:sld xmlns:a="http://schemas.openxmlformats.org/drawingml/2006/main" xmlns:r="http://schemas.openxmlformats.org/officeDocument/2006/relationships" xmlns:p="http://schemas.openxmlformats.org/presentationml/2006/main">
+  <p:cSld>
+    <p:spTree>
+      <p:nvGrpSpPr>
+        <p:cNvPr id="1" name=""/>
+        <p:cNvGrpSpPr/>
+        <p:nvPr/>
+      </p:nvGrpSpPr>
+      <p:grpSpPr>
+        <a:xfrm>
+          <a:off x="0" y="0"/>
+          <a:ext cx="0" cy="0"/>
+          <a:chOff x="0" y="0"/>
+          <a:chExt cx="0" cy="0"/>
+        </a:xfrm>
+      </p:grpSpPr>
+      <p:sp>
+        <p:nvSpPr>
+          <p:cNvPr id="2" name="Title 1"/>
+          <p:cNvSpPr>
+            <a:spLocks noGrp="1"/>
+          </p:cNvSpPr>
+          <p:nvPr>
+            <p:ph type="title"/>
+          </p:nvPr>
+        </p:nvSpPr>
+        <p:spPr/>
+        <p:txBody>
+          <a:bodyPr/>
+          <a:lstStyle/>
+          <a:p>
+            <a:r>
+              <a:rPr lang="en-US"/>
+              <a:t>Future Scope</a:t>
+            </a:r>
+          </a:p>
+        </p:txBody>
+      </p:sp>
+      <p:sp>
+        <p:nvSpPr>
+          <p:cNvPr id="3" name="Content Placeholder 2"/>
+          <p:cNvSpPr>
+            <a:spLocks noGrp="1"/>
+          </p:cNvSpPr>
+          <p:nvPr>
+            <p:ph idx="1"/>
+          </p:nvPr>
+        </p:nvSpPr>
+        <p:spPr/>
+        <p:txBody>
+          <a:bodyPr/>
+          <a:lstStyle/>
+          <a:p>
+            <a:pPr marL="0" indent="0" algn="l">
+              <a:buFont typeface="Arial" panose="020B0704020202020204" pitchFamily="34" charset="0"/>
+              <a:buNone/>
+            </a:pPr>
+            <a:r>
+              <a:rPr lang="en-US" dirty="0" smtClean="0">
+                <a:sym typeface="+mn-ea"/>
+              </a:rPr>
+              <a:t>This project is currently running on the local server, as soon as we take the web </a:t>
+            </a:r>
+            <a:r>
+              <a:rPr lang="hi-IN" dirty="0" smtClean="0">
+                <a:sym typeface="+mn-ea"/>
+              </a:rPr>
+              <a:t>API</a:t>
+            </a:r>
+            <a:r>
+              <a:rPr lang="en-US" dirty="0" smtClean="0">
+                <a:sym typeface="+mn-ea"/>
+              </a:rPr>
+              <a:t> of the railway, we will make it live completely.</a:t>
+            </a:r>
+          </a:p>
+          <a:p>
+            <a:pPr marL="0" indent="0" algn="l">
+              <a:buFont typeface="Arial" panose="020B0704020202020204" pitchFamily="34" charset="0"/>
+              <a:buNone/>
+            </a:pPr>
+            <a:r>
+              <a:rPr lang="en-US" dirty="0" smtClean="0">
+                <a:sym typeface="+mn-ea"/>
+              </a:rPr>
+              <a:t>This project has been designed by looking at the current situation.We will use ADHAR data fetching techniques as soon as possible in the future, which is not being used in </a:t>
+            </a:r>
+            <a:r>
+              <a:rPr lang="en-US" dirty="0" err="1" smtClean="0">
+                <a:sym typeface="+mn-ea"/>
+              </a:rPr>
+              <a:t>realtime</a:t>
+            </a:r>
+            <a:r>
+              <a:rPr lang="en-US" dirty="0" smtClean="0">
+                <a:sym typeface="+mn-ea"/>
+              </a:rPr>
+              <a:t> in </a:t>
+            </a:r>
+            <a:r>
+              <a:rPr lang="en-US" dirty="0" err="1" smtClean="0">
+                <a:sym typeface="+mn-ea"/>
+              </a:rPr>
+              <a:t>irctc</a:t>
+            </a:r>
+            <a:r>
+              <a:rPr lang="en-US" dirty="0" smtClean="0">
+                <a:sym typeface="+mn-ea"/>
+              </a:rPr>
+              <a:t>.</a:t>
+            </a:r>
+            <a:endParaRPr lang="en-US" i="0" dirty="0"/>
+          </a:p>
+          <a:p>
+            <a:pPr marL="0" indent="0">
+              <a:buNone/>
+            </a:pPr>
+            <a:endParaRPr lang="en-US"/>
+          </a:p>
+        </p:txBody>
+      </p:sp>
+    </p:spTree>
+  </p:cSld>
+  <p:clrMapOvr>
+    <a:masterClrMapping/>
+  </p:clrMapOvr>
+  <p:timing>
+    <p:tnLst>
+      <p:par>
+        <p:cTn id="1" dur="indefinite" restart="never" nodeType="tmRoot"/>
+      </p:par>
+    </p:tnLst>
+  </p:timing>
+</p:sld>
+</file>
+
+<file path=ppt/slides/slide15.xml><?xml version="1.0" encoding="utf-8"?>
+<p:sld xmlns:a="http://schemas.openxmlformats.org/drawingml/2006/main" xmlns:r="http://schemas.openxmlformats.org/officeDocument/2006/relationships" xmlns:p="http://schemas.openxmlformats.org/presentationml/2006/main">
+  <p:cSld>
+    <p:spTree>
+      <p:nvGrpSpPr>
+        <p:cNvPr id="1" name=""/>
+        <p:cNvGrpSpPr/>
+        <p:nvPr/>
+      </p:nvGrpSpPr>
+      <p:grpSpPr>
+        <a:xfrm>
+          <a:off x="0" y="0"/>
+          <a:ext cx="0" cy="0"/>
+          <a:chOff x="0" y="0"/>
+          <a:chExt cx="0" cy="0"/>
+        </a:xfrm>
+      </p:grpSpPr>
+      <p:sp>
+        <p:nvSpPr>
+          <p:cNvPr id="2" name="Title 1"/>
+          <p:cNvSpPr>
+            <a:spLocks noGrp="1"/>
+          </p:cNvSpPr>
+          <p:nvPr>
+            <p:ph type="title"/>
+          </p:nvPr>
+        </p:nvSpPr>
+        <p:spPr/>
+        <p:txBody>
+          <a:bodyPr/>
+          <a:lstStyle/>
+          <a:p>
+            <a:r>
+              <a:rPr lang="en-US"/>
+              <a:t>Thank You.</a:t>
+            </a:r>
+          </a:p>
+        </p:txBody>
+      </p:sp>
+      <p:sp>
+        <p:nvSpPr>
+          <p:cNvPr id="3" name="Content Placeholder 2"/>
+          <p:cNvSpPr>
+            <a:spLocks noGrp="1"/>
+          </p:cNvSpPr>
+          <p:nvPr>
+            <p:ph idx="1"/>
+          </p:nvPr>
+        </p:nvSpPr>
+        <p:spPr/>
+        <p:txBody>
+          <a:bodyPr/>
+          <a:lstStyle/>
+          <a:p>
+            <a:endParaRPr lang="en-US"/>
+          </a:p>
+        </p:txBody>
+      </p:sp>
+    </p:spTree>
+  </p:cSld>
+  <p:clrMapOvr>
+    <a:masterClrMapping/>
+  </p:clrMapOvr>
+  <p:timing>
+    <p:tnLst>
+      <p:par>
+        <p:cTn id="1" dur="indefinite" restart="never" nodeType="tmRoot"/>
+      </p:par>
+    </p:tnLst>
+  </p:timing>
 </p:sld>
 </file>
 
@@ -3577,7 +3963,14 @@
         <p:cNvGrpSpPr/>
         <p:nvPr/>
       </p:nvGrpSpPr>
-      <p:grpSpPr/>
+      <p:grpSpPr>
+        <a:xfrm>
+          <a:off x="0" y="0"/>
+          <a:ext cx="0" cy="0"/>
+          <a:chOff x="0" y="0"/>
+          <a:chExt cx="0" cy="0"/>
+        </a:xfrm>
+      </p:grpSpPr>
       <p:sp>
         <p:nvSpPr>
           <p:cNvPr id="2" name="Title 1"/>
@@ -3591,12 +3984,12 @@
         <p:spPr/>
         <p:txBody>
           <a:bodyPr/>
+          <a:lstStyle/>
           <a:p>
             <a:r>
               <a:rPr lang="en-US"/>
               <a:t>Introduction</a:t>
             </a:r>
-            <a:endParaRPr lang="en-US"/>
           </a:p>
         </p:txBody>
       </p:sp>
@@ -3613,13 +4006,13 @@
         <p:spPr/>
         <p:txBody>
           <a:bodyPr/>
+          <a:lstStyle/>
           <a:p>
             <a:pPr lvl="0"/>
             <a:r>
               <a:rPr lang="en-US"/>
               <a:t>The railway reservation system facilitates the passengers to enquire about the trains available on the basis of source and destination, booking and cancellation of tickets, enquire about the status of the booked ticket, etc. Passengers can book their tickets for the train in which seats are available. </a:t>
             </a:r>
-            <a:endParaRPr lang="en-US"/>
           </a:p>
           <a:p>
             <a:pPr lvl="0"/>
@@ -3632,6 +4025,13 @@
   <p:clrMapOvr>
     <a:masterClrMapping/>
   </p:clrMapOvr>
+  <p:timing>
+    <p:tnLst>
+      <p:par>
+        <p:cTn id="1" dur="indefinite" restart="never" nodeType="tmRoot"/>
+      </p:par>
+    </p:tnLst>
+  </p:timing>
 </p:sld>
 </file>
 
@@ -3644,7 +4044,14 @@
         <p:cNvGrpSpPr/>
         <p:nvPr/>
       </p:nvGrpSpPr>
-      <p:grpSpPr/>
+      <p:grpSpPr>
+        <a:xfrm>
+          <a:off x="0" y="0"/>
+          <a:ext cx="0" cy="0"/>
+          <a:chOff x="0" y="0"/>
+          <a:chExt cx="0" cy="0"/>
+        </a:xfrm>
+      </p:grpSpPr>
       <p:sp>
         <p:nvSpPr>
           <p:cNvPr id="2" name="Title 1"/>
@@ -3658,12 +4065,12 @@
         <p:spPr/>
         <p:txBody>
           <a:bodyPr/>
+          <a:lstStyle/>
           <a:p>
             <a:r>
               <a:rPr lang="en-US"/>
               <a:t>Modules</a:t>
             </a:r>
-            <a:endParaRPr lang="en-US"/>
           </a:p>
         </p:txBody>
       </p:sp>
@@ -3680,33 +4087,30 @@
         <p:spPr/>
         <p:txBody>
           <a:bodyPr/>
+          <a:lstStyle/>
           <a:p>
             <a:r>
               <a:rPr lang="en-US"/>
               <a:t>Admin</a:t>
             </a:r>
-            <a:endParaRPr lang="en-US"/>
           </a:p>
           <a:p>
             <a:r>
               <a:rPr lang="en-US"/>
               <a:t>User</a:t>
             </a:r>
-            <a:endParaRPr lang="en-US"/>
           </a:p>
           <a:p>
             <a:r>
               <a:rPr lang="en-US"/>
               <a:t>Booking</a:t>
             </a:r>
-            <a:endParaRPr lang="en-US"/>
           </a:p>
           <a:p>
             <a:r>
               <a:rPr lang="en-US"/>
               <a:t>Payment</a:t>
             </a:r>
-            <a:endParaRPr lang="en-US"/>
           </a:p>
           <a:p>
             <a:pPr marL="0" indent="0">
@@ -3721,6 +4125,13 @@
   <p:clrMapOvr>
     <a:masterClrMapping/>
   </p:clrMapOvr>
+  <p:timing>
+    <p:tnLst>
+      <p:par>
+        <p:cTn id="1" dur="indefinite" restart="never" nodeType="tmRoot"/>
+      </p:par>
+    </p:tnLst>
+  </p:timing>
 </p:sld>
 </file>
 
@@ -3733,7 +4144,14 @@
         <p:cNvGrpSpPr/>
         <p:nvPr/>
       </p:nvGrpSpPr>
-      <p:grpSpPr/>
+      <p:grpSpPr>
+        <a:xfrm>
+          <a:off x="0" y="0"/>
+          <a:ext cx="0" cy="0"/>
+          <a:chOff x="0" y="0"/>
+          <a:chExt cx="0" cy="0"/>
+        </a:xfrm>
+      </p:grpSpPr>
       <p:sp>
         <p:nvSpPr>
           <p:cNvPr id="2" name="Title 1"/>
@@ -3747,12 +4165,12 @@
         <p:spPr/>
         <p:txBody>
           <a:bodyPr/>
+          <a:lstStyle/>
           <a:p>
             <a:r>
               <a:rPr lang="en-US"/>
               <a:t>Design</a:t>
             </a:r>
-            <a:endParaRPr lang="en-US"/>
           </a:p>
         </p:txBody>
       </p:sp>
@@ -3769,8 +4187,9 @@
         <p:spPr/>
         <p:txBody>
           <a:bodyPr/>
-          <a:p>
-            <a:endParaRPr lang="en-US"/>
+          <a:lstStyle/>
+          <a:p>
+            <a:endParaRPr lang="en-US" dirty="0"/>
           </a:p>
         </p:txBody>
       </p:sp>
@@ -3783,15 +4202,15 @@
           <p:nvPr/>
         </p:nvPicPr>
         <p:blipFill>
-          <a:blip r:embed="rId1"/>
+          <a:blip r:embed="rId2"/>
           <a:stretch>
             <a:fillRect/>
           </a:stretch>
         </p:blipFill>
         <p:spPr>
           <a:xfrm>
-            <a:off x="921385" y="1174750"/>
-            <a:ext cx="10031730" cy="5325110"/>
+            <a:off x="1065077" y="1213939"/>
+            <a:ext cx="9241518" cy="4905644"/>
           </a:xfrm>
           <a:prstGeom prst="rect">
             <a:avLst/>
@@ -3803,6 +4222,13 @@
   <p:clrMapOvr>
     <a:masterClrMapping/>
   </p:clrMapOvr>
+  <p:timing>
+    <p:tnLst>
+      <p:par>
+        <p:cTn id="1" dur="indefinite" restart="never" nodeType="tmRoot"/>
+      </p:par>
+    </p:tnLst>
+  </p:timing>
 </p:sld>
 </file>
 
@@ -3815,7 +4241,14 @@
         <p:cNvGrpSpPr/>
         <p:nvPr/>
       </p:nvGrpSpPr>
-      <p:grpSpPr/>
+      <p:grpSpPr>
+        <a:xfrm>
+          <a:off x="0" y="0"/>
+          <a:ext cx="0" cy="0"/>
+          <a:chOff x="0" y="0"/>
+          <a:chExt cx="0" cy="0"/>
+        </a:xfrm>
+      </p:grpSpPr>
       <p:sp>
         <p:nvSpPr>
           <p:cNvPr id="2" name="Title 1"/>
@@ -3829,12 +4262,12 @@
         <p:spPr/>
         <p:txBody>
           <a:bodyPr/>
+          <a:lstStyle/>
           <a:p>
             <a:r>
               <a:rPr lang="en-US"/>
               <a:t>Data Flow Diagrams</a:t>
             </a:r>
-            <a:endParaRPr lang="en-US"/>
           </a:p>
         </p:txBody>
       </p:sp>
@@ -3851,12 +4284,12 @@
         <p:spPr/>
         <p:txBody>
           <a:bodyPr/>
+          <a:lstStyle/>
           <a:p>
             <a:r>
               <a:rPr lang="en-US"/>
               <a:t>Admin</a:t>
             </a:r>
-            <a:endParaRPr lang="en-US"/>
           </a:p>
           <a:p>
             <a:pPr marL="0" indent="0">
@@ -3875,7 +4308,7 @@
           <p:nvPr/>
         </p:nvPicPr>
         <p:blipFill>
-          <a:blip r:embed="rId1"/>
+          <a:blip r:embed="rId2"/>
           <a:stretch>
             <a:fillRect/>
           </a:stretch>
@@ -3895,6 +4328,13 @@
   <p:clrMapOvr>
     <a:masterClrMapping/>
   </p:clrMapOvr>
+  <p:timing>
+    <p:tnLst>
+      <p:par>
+        <p:cTn id="1" dur="indefinite" restart="never" nodeType="tmRoot"/>
+      </p:par>
+    </p:tnLst>
+  </p:timing>
 </p:sld>
 </file>
 
@@ -3907,7 +4347,14 @@
         <p:cNvGrpSpPr/>
         <p:nvPr/>
       </p:nvGrpSpPr>
-      <p:grpSpPr/>
+      <p:grpSpPr>
+        <a:xfrm>
+          <a:off x="0" y="0"/>
+          <a:ext cx="0" cy="0"/>
+          <a:chOff x="0" y="0"/>
+          <a:chExt cx="0" cy="0"/>
+        </a:xfrm>
+      </p:grpSpPr>
       <p:sp>
         <p:nvSpPr>
           <p:cNvPr id="2" name="Title 1"/>
@@ -3921,6 +4368,7 @@
         <p:spPr/>
         <p:txBody>
           <a:bodyPr/>
+          <a:lstStyle/>
           <a:p>
             <a:endParaRPr lang="en-US"/>
           </a:p>
@@ -3939,12 +4387,12 @@
         <p:spPr/>
         <p:txBody>
           <a:bodyPr/>
+          <a:lstStyle/>
           <a:p>
             <a:r>
               <a:rPr lang="en-US"/>
               <a:t>User</a:t>
             </a:r>
-            <a:endParaRPr lang="en-US"/>
           </a:p>
           <a:p>
             <a:endParaRPr lang="en-US"/>
@@ -3960,14 +4408,14 @@
           <p:nvPr/>
         </p:nvPicPr>
         <p:blipFill>
-          <a:blip r:embed="rId1"/>
+          <a:blip r:embed="rId2"/>
           <a:stretch>
             <a:fillRect/>
           </a:stretch>
         </p:blipFill>
         <p:spPr>
           <a:xfrm>
-            <a:off x="609600" y="1761490"/>
+            <a:off x="609600" y="1709238"/>
             <a:ext cx="10058400" cy="4822825"/>
           </a:xfrm>
           <a:prstGeom prst="rect">
@@ -3980,6 +4428,13 @@
   <p:clrMapOvr>
     <a:masterClrMapping/>
   </p:clrMapOvr>
+  <p:timing>
+    <p:tnLst>
+      <p:par>
+        <p:cTn id="1" dur="indefinite" restart="never" nodeType="tmRoot"/>
+      </p:par>
+    </p:tnLst>
+  </p:timing>
 </p:sld>
 </file>
 
@@ -3992,7 +4447,14 @@
         <p:cNvGrpSpPr/>
         <p:nvPr/>
       </p:nvGrpSpPr>
-      <p:grpSpPr/>
+      <p:grpSpPr>
+        <a:xfrm>
+          <a:off x="0" y="0"/>
+          <a:ext cx="0" cy="0"/>
+          <a:chOff x="0" y="0"/>
+          <a:chExt cx="0" cy="0"/>
+        </a:xfrm>
+      </p:grpSpPr>
       <p:sp>
         <p:nvSpPr>
           <p:cNvPr id="2" name="Title 1"/>
@@ -4006,12 +4468,13 @@
         <p:spPr/>
         <p:txBody>
           <a:bodyPr/>
-          <a:p>
-            <a:r>
-              <a:rPr lang="en-US"/>
-              <a:t>Screenshots</a:t>
-            </a:r>
-            <a:endParaRPr lang="en-US"/>
+          <a:lstStyle/>
+          <a:p>
+            <a:r>
+              <a:rPr lang="en-US" dirty="0" smtClean="0"/>
+              <a:t>Activity Diagram</a:t>
+            </a:r>
+            <a:endParaRPr lang="en-US" dirty="0"/>
           </a:p>
         </p:txBody>
       </p:sp>
@@ -4028,36 +4491,36 @@
         <p:spPr/>
         <p:txBody>
           <a:bodyPr/>
-          <a:p>
-            <a:pPr marL="0" indent="0">
-              <a:buNone/>
-            </a:pPr>
-            <a:endParaRPr lang="en-US"/>
+          <a:lstStyle/>
+          <a:p>
+            <a:endParaRPr lang="en-US" dirty="0"/>
           </a:p>
         </p:txBody>
       </p:sp>
       <p:pic>
         <p:nvPicPr>
-          <p:cNvPr id="4" name="Picture 3" descr="WhatsApp Image 2020-12-06 at 2.11.34 PM (1)"/>
+          <p:cNvPr id="1026" name="Picture 2" descr="C:\Users\WIN7\Desktop\miraj\activity diagram.JPG"/>
           <p:cNvPicPr>
-            <a:picLocks noChangeAspect="1"/>
+            <a:picLocks noChangeAspect="1" noChangeArrowheads="1"/>
           </p:cNvPicPr>
           <p:nvPr/>
         </p:nvPicPr>
         <p:blipFill>
-          <a:blip r:embed="rId1"/>
+          <a:blip r:embed="rId2"/>
+          <a:srcRect/>
           <a:stretch>
             <a:fillRect/>
           </a:stretch>
         </p:blipFill>
-        <p:spPr>
+        <p:spPr bwMode="auto">
           <a:xfrm>
-            <a:off x="878205" y="1174750"/>
-            <a:ext cx="10058400" cy="5397500"/>
+            <a:off x="3265397" y="937747"/>
+            <a:ext cx="4742134" cy="5581764"/>
           </a:xfrm>
           <a:prstGeom prst="rect">
             <a:avLst/>
           </a:prstGeom>
+          <a:noFill/>
         </p:spPr>
       </p:pic>
     </p:spTree>
@@ -4065,6 +4528,13 @@
   <p:clrMapOvr>
     <a:masterClrMapping/>
   </p:clrMapOvr>
+  <p:timing>
+    <p:tnLst>
+      <p:par>
+        <p:cTn id="1" dur="indefinite" restart="never" nodeType="tmRoot"/>
+      </p:par>
+    </p:tnLst>
+  </p:timing>
 </p:sld>
 </file>
 
@@ -4077,7 +4547,14 @@
         <p:cNvGrpSpPr/>
         <p:nvPr/>
       </p:nvGrpSpPr>
-      <p:grpSpPr/>
+      <p:grpSpPr>
+        <a:xfrm>
+          <a:off x="0" y="0"/>
+          <a:ext cx="0" cy="0"/>
+          <a:chOff x="0" y="0"/>
+          <a:chExt cx="0" cy="0"/>
+        </a:xfrm>
+      </p:grpSpPr>
       <p:sp>
         <p:nvSpPr>
           <p:cNvPr id="2" name="Title 1"/>
@@ -4091,8 +4568,13 @@
         <p:spPr/>
         <p:txBody>
           <a:bodyPr/>
-          <a:p>
-            <a:endParaRPr lang="en-US"/>
+          <a:lstStyle/>
+          <a:p>
+            <a:r>
+              <a:rPr lang="en-US" dirty="0" smtClean="0"/>
+              <a:t>Sequence Diagram</a:t>
+            </a:r>
+            <a:endParaRPr lang="en-US" dirty="0"/>
           </a:p>
         </p:txBody>
       </p:sp>
@@ -4109,33 +4591,36 @@
         <p:spPr/>
         <p:txBody>
           <a:bodyPr/>
-          <a:p>
-            <a:endParaRPr lang="en-US"/>
+          <a:lstStyle/>
+          <a:p>
+            <a:endParaRPr lang="en-US" dirty="0"/>
           </a:p>
         </p:txBody>
       </p:sp>
       <p:pic>
         <p:nvPicPr>
-          <p:cNvPr id="4" name="Picture 3" descr="WhatsApp Image 2020-12-06 at 2.15.03 PM"/>
+          <p:cNvPr id="2050" name="Picture 2" descr="C:\Users\WIN7\Desktop\miraj\seq.JPG"/>
           <p:cNvPicPr>
-            <a:picLocks noChangeAspect="1"/>
+            <a:picLocks noChangeAspect="1" noChangeArrowheads="1"/>
           </p:cNvPicPr>
           <p:nvPr/>
         </p:nvPicPr>
         <p:blipFill>
-          <a:blip r:embed="rId1"/>
+          <a:blip r:embed="rId2"/>
+          <a:srcRect/>
           <a:stretch>
             <a:fillRect/>
           </a:stretch>
         </p:blipFill>
-        <p:spPr>
+        <p:spPr bwMode="auto">
           <a:xfrm>
-            <a:off x="877570" y="986155"/>
-            <a:ext cx="10058400" cy="5649595"/>
+            <a:off x="2769326" y="1063886"/>
+            <a:ext cx="5564777" cy="5482073"/>
           </a:xfrm>
           <a:prstGeom prst="rect">
             <a:avLst/>
           </a:prstGeom>
+          <a:noFill/>
         </p:spPr>
       </p:pic>
     </p:spTree>
@@ -4143,6 +4628,13 @@
   <p:clrMapOvr>
     <a:masterClrMapping/>
   </p:clrMapOvr>
+  <p:timing>
+    <p:tnLst>
+      <p:par>
+        <p:cTn id="1" dur="indefinite" restart="never" nodeType="tmRoot"/>
+      </p:par>
+    </p:tnLst>
+  </p:timing>
 </p:sld>
 </file>
 
@@ -4155,7 +4647,14 @@
         <p:cNvGrpSpPr/>
         <p:nvPr/>
       </p:nvGrpSpPr>
-      <p:grpSpPr/>
+      <p:grpSpPr>
+        <a:xfrm>
+          <a:off x="0" y="0"/>
+          <a:ext cx="0" cy="0"/>
+          <a:chOff x="0" y="0"/>
+          <a:chExt cx="0" cy="0"/>
+        </a:xfrm>
+      </p:grpSpPr>
       <p:sp>
         <p:nvSpPr>
           <p:cNvPr id="2" name="Title 1"/>
@@ -4169,8 +4668,17 @@
         <p:spPr/>
         <p:txBody>
           <a:bodyPr/>
-          <a:p>
-            <a:endParaRPr lang="en-US"/>
+          <a:lstStyle/>
+          <a:p>
+            <a:r>
+              <a:rPr lang="en-US" dirty="0" err="1" smtClean="0"/>
+              <a:t>Uml</a:t>
+            </a:r>
+            <a:r>
+              <a:rPr lang="en-US" dirty="0" smtClean="0"/>
+              <a:t> Diagram</a:t>
+            </a:r>
+            <a:endParaRPr lang="en-US" dirty="0"/>
           </a:p>
         </p:txBody>
       </p:sp>
@@ -4187,33 +4695,36 @@
         <p:spPr/>
         <p:txBody>
           <a:bodyPr/>
-          <a:p>
-            <a:endParaRPr lang="en-US"/>
+          <a:lstStyle/>
+          <a:p>
+            <a:endParaRPr lang="en-US" dirty="0"/>
           </a:p>
         </p:txBody>
       </p:sp>
       <p:pic>
         <p:nvPicPr>
-          <p:cNvPr id="4" name="Picture 3" descr="WhatsApp Image 2020-12-06 at 2.12.01 PM"/>
+          <p:cNvPr id="3074" name="Picture 2" descr="C:\Users\WIN7\Desktop\miraj\uml diagram.JPG"/>
           <p:cNvPicPr>
-            <a:picLocks noChangeAspect="1"/>
+            <a:picLocks noChangeAspect="1" noChangeArrowheads="1"/>
           </p:cNvPicPr>
           <p:nvPr/>
         </p:nvPicPr>
         <p:blipFill>
-          <a:blip r:embed="rId1"/>
+          <a:blip r:embed="rId2"/>
+          <a:srcRect/>
           <a:stretch>
             <a:fillRect/>
           </a:stretch>
         </p:blipFill>
-        <p:spPr>
+        <p:spPr bwMode="auto">
           <a:xfrm>
-            <a:off x="873760" y="1009015"/>
-            <a:ext cx="10058400" cy="5649595"/>
+            <a:off x="2346548" y="987653"/>
+            <a:ext cx="6542829" cy="5112701"/>
           </a:xfrm>
           <a:prstGeom prst="rect">
             <a:avLst/>
           </a:prstGeom>
+          <a:noFill/>
         </p:spPr>
       </p:pic>
     </p:spTree>
@@ -4221,11 +4732,18 @@
   <p:clrMapOvr>
     <a:masterClrMapping/>
   </p:clrMapOvr>
+  <p:timing>
+    <p:tnLst>
+      <p:par>
+        <p:cTn id="1" dur="indefinite" restart="never" nodeType="tmRoot"/>
+      </p:par>
+    </p:tnLst>
+  </p:timing>
 </p:sld>
 </file>
 
 <file path=ppt/tags/tag1.xml><?xml version="1.0" encoding="utf-8"?>
-<p:tagLst xmlns:p="http://schemas.openxmlformats.org/presentationml/2006/main">
+<p:tagLst xmlns:a="http://schemas.openxmlformats.org/drawingml/2006/main" xmlns:r="http://schemas.openxmlformats.org/officeDocument/2006/relationships" xmlns:p="http://schemas.openxmlformats.org/presentationml/2006/main">
   <p:tag name="KSO_WM_SLIDE_MODEL_TYPE" val="cover"/>
 </p:tagLst>
 </file>
@@ -5090,7 +5608,7 @@
   </a:extraClrSchemeLst>
   <a:extLst>
     <a:ext uri="{05A4C25C-085E-4340-85A3-A5531E510DB2}">
-      <thm15:themeFamily xmlns:thm15="http://schemas.microsoft.com/office/thememl/2012/main" name="Office Theme" id="{62F939B6-93AF-4DB8-9C6B-D6C7DFDC589F}" vid="{4A3C46E8-61CC-4603-A589-7422A47A8E4A}"/>
+      <thm15:themeFamily xmlns="" xmlns:thm15="http://schemas.microsoft.com/office/thememl/2012/main" name="Office Theme" id="{62F939B6-93AF-4DB8-9C6B-D6C7DFDC589F}" vid="{4A3C46E8-61CC-4603-A589-7422A47A8E4A}"/>
     </a:ext>
   </a:extLst>
 </a:theme>
